--- a/TwoCirclesAssessmentSlides.pptx
+++ b/TwoCirclesAssessmentSlides.pptx
@@ -11,8 +11,8 @@
     <p:sldId id="256" r:id="rId2"/>
     <p:sldId id="259" r:id="rId3"/>
     <p:sldId id="262" r:id="rId4"/>
-    <p:sldId id="263" r:id="rId5"/>
-    <p:sldId id="264" r:id="rId6"/>
+    <p:sldId id="264" r:id="rId5"/>
+    <p:sldId id="263" r:id="rId6"/>
     <p:sldId id="257" r:id="rId7"/>
   </p:sldIdLst>
   <p:sldSz cx="12192000" cy="6858000"/>
@@ -202,7 +202,7 @@
           <a:p>
             <a:fld id="{193DE4FF-C956-E641-A454-A4C9A34432ED}" type="datetimeFigureOut">
               <a:rPr lang="en-US" smtClean="0"/>
-              <a:t>2/28/20</a:t>
+              <a:t>3/2/20</a:t>
             </a:fld>
             <a:endParaRPr lang="en-US"/>
           </a:p>
@@ -700,7 +700,7 @@
           <a:p>
             <a:fld id="{CC5BFA98-46EF-9643-BF92-4A365BF3599A}" type="datetimeFigureOut">
               <a:rPr lang="en-US" smtClean="0"/>
-              <a:t>2/28/20</a:t>
+              <a:t>3/2/20</a:t>
             </a:fld>
             <a:endParaRPr lang="en-US"/>
           </a:p>
@@ -898,7 +898,7 @@
           <a:p>
             <a:fld id="{CC5BFA98-46EF-9643-BF92-4A365BF3599A}" type="datetimeFigureOut">
               <a:rPr lang="en-US" smtClean="0"/>
-              <a:t>2/28/20</a:t>
+              <a:t>3/2/20</a:t>
             </a:fld>
             <a:endParaRPr lang="en-US"/>
           </a:p>
@@ -1106,7 +1106,7 @@
           <a:p>
             <a:fld id="{CC5BFA98-46EF-9643-BF92-4A365BF3599A}" type="datetimeFigureOut">
               <a:rPr lang="en-US" smtClean="0"/>
-              <a:t>2/28/20</a:t>
+              <a:t>3/2/20</a:t>
             </a:fld>
             <a:endParaRPr lang="en-US"/>
           </a:p>
@@ -1304,7 +1304,7 @@
           <a:p>
             <a:fld id="{CC5BFA98-46EF-9643-BF92-4A365BF3599A}" type="datetimeFigureOut">
               <a:rPr lang="en-US" smtClean="0"/>
-              <a:t>2/28/20</a:t>
+              <a:t>3/2/20</a:t>
             </a:fld>
             <a:endParaRPr lang="en-US"/>
           </a:p>
@@ -1579,7 +1579,7 @@
           <a:p>
             <a:fld id="{CC5BFA98-46EF-9643-BF92-4A365BF3599A}" type="datetimeFigureOut">
               <a:rPr lang="en-US" smtClean="0"/>
-              <a:t>2/28/20</a:t>
+              <a:t>3/2/20</a:t>
             </a:fld>
             <a:endParaRPr lang="en-US"/>
           </a:p>
@@ -1844,7 +1844,7 @@
           <a:p>
             <a:fld id="{CC5BFA98-46EF-9643-BF92-4A365BF3599A}" type="datetimeFigureOut">
               <a:rPr lang="en-US" smtClean="0"/>
-              <a:t>2/28/20</a:t>
+              <a:t>3/2/20</a:t>
             </a:fld>
             <a:endParaRPr lang="en-US"/>
           </a:p>
@@ -2256,7 +2256,7 @@
           <a:p>
             <a:fld id="{CC5BFA98-46EF-9643-BF92-4A365BF3599A}" type="datetimeFigureOut">
               <a:rPr lang="en-US" smtClean="0"/>
-              <a:t>2/28/20</a:t>
+              <a:t>3/2/20</a:t>
             </a:fld>
             <a:endParaRPr lang="en-US"/>
           </a:p>
@@ -2397,7 +2397,7 @@
           <a:p>
             <a:fld id="{CC5BFA98-46EF-9643-BF92-4A365BF3599A}" type="datetimeFigureOut">
               <a:rPr lang="en-US" smtClean="0"/>
-              <a:t>2/28/20</a:t>
+              <a:t>3/2/20</a:t>
             </a:fld>
             <a:endParaRPr lang="en-US"/>
           </a:p>
@@ -2510,7 +2510,7 @@
           <a:p>
             <a:fld id="{CC5BFA98-46EF-9643-BF92-4A365BF3599A}" type="datetimeFigureOut">
               <a:rPr lang="en-US" smtClean="0"/>
-              <a:t>2/28/20</a:t>
+              <a:t>3/2/20</a:t>
             </a:fld>
             <a:endParaRPr lang="en-US"/>
           </a:p>
@@ -2821,7 +2821,7 @@
           <a:p>
             <a:fld id="{CC5BFA98-46EF-9643-BF92-4A365BF3599A}" type="datetimeFigureOut">
               <a:rPr lang="en-US" smtClean="0"/>
-              <a:t>2/28/20</a:t>
+              <a:t>3/2/20</a:t>
             </a:fld>
             <a:endParaRPr lang="en-US"/>
           </a:p>
@@ -3109,7 +3109,7 @@
           <a:p>
             <a:fld id="{CC5BFA98-46EF-9643-BF92-4A365BF3599A}" type="datetimeFigureOut">
               <a:rPr lang="en-US" smtClean="0"/>
-              <a:t>2/28/20</a:t>
+              <a:t>3/2/20</a:t>
             </a:fld>
             <a:endParaRPr lang="en-US"/>
           </a:p>
@@ -3350,7 +3350,7 @@
           <a:p>
             <a:fld id="{CC5BFA98-46EF-9643-BF92-4A365BF3599A}" type="datetimeFigureOut">
               <a:rPr lang="en-US" smtClean="0"/>
-              <a:t>2/28/20</a:t>
+              <a:t>3/2/20</a:t>
             </a:fld>
             <a:endParaRPr lang="en-US"/>
           </a:p>
@@ -6434,6 +6434,486 @@
         </p:nvGrpSpPr>
         <p:grpSpPr>
           <a:xfrm>
+            <a:off x="725014" y="85272"/>
+            <a:ext cx="10741971" cy="1103620"/>
+            <a:chOff x="1073385" y="1553707"/>
+            <a:chExt cx="6260496" cy="1290800"/>
+          </a:xfrm>
+        </p:grpSpPr>
+        <p:cxnSp>
+          <p:nvCxnSpPr>
+            <p:cNvPr id="6" name="Straight Connector 5">
+              <a:extLst>
+                <a:ext uri="{FF2B5EF4-FFF2-40B4-BE49-F238E27FC236}">
+                  <a16:creationId xmlns:a16="http://schemas.microsoft.com/office/drawing/2014/main" id="{F95CFBFD-4592-EF42-A0E7-E19B34D280E2}"/>
+                </a:ext>
+              </a:extLst>
+            </p:cNvPr>
+            <p:cNvCxnSpPr>
+              <a:cxnSpLocks/>
+            </p:cNvCxnSpPr>
+            <p:nvPr/>
+          </p:nvCxnSpPr>
+          <p:spPr>
+            <a:xfrm>
+              <a:off x="1073385" y="2199105"/>
+              <a:ext cx="6260496" cy="0"/>
+            </a:xfrm>
+            <a:prstGeom prst="line">
+              <a:avLst/>
+            </a:prstGeom>
+            <a:ln w="12700">
+              <a:solidFill>
+                <a:schemeClr val="bg1">
+                  <a:lumMod val="85000"/>
+                </a:schemeClr>
+              </a:solidFill>
+              <a:headEnd type="oval"/>
+              <a:tailEnd type="oval"/>
+            </a:ln>
+          </p:spPr>
+          <p:style>
+            <a:lnRef idx="1">
+              <a:schemeClr val="accent1"/>
+            </a:lnRef>
+            <a:fillRef idx="0">
+              <a:schemeClr val="accent1"/>
+            </a:fillRef>
+            <a:effectRef idx="0">
+              <a:schemeClr val="accent1"/>
+            </a:effectRef>
+            <a:fontRef idx="minor">
+              <a:schemeClr val="tx1"/>
+            </a:fontRef>
+          </p:style>
+        </p:cxnSp>
+        <p:sp>
+          <p:nvSpPr>
+            <p:cNvPr id="7" name="TextBox 6">
+              <a:extLst>
+                <a:ext uri="{FF2B5EF4-FFF2-40B4-BE49-F238E27FC236}">
+                  <a16:creationId xmlns:a16="http://schemas.microsoft.com/office/drawing/2014/main" id="{37A663D4-82B6-4440-9A2D-E82E43F098FC}"/>
+                </a:ext>
+              </a:extLst>
+            </p:cNvPr>
+            <p:cNvSpPr txBox="1"/>
+            <p:nvPr/>
+          </p:nvSpPr>
+          <p:spPr>
+            <a:xfrm>
+              <a:off x="2262151" y="1553707"/>
+              <a:ext cx="3860209" cy="1290800"/>
+            </a:xfrm>
+            <a:prstGeom prst="roundRect">
+              <a:avLst>
+                <a:gd name="adj" fmla="val 50000"/>
+              </a:avLst>
+            </a:prstGeom>
+            <a:solidFill>
+              <a:schemeClr val="bg1"/>
+            </a:solidFill>
+            <a:ln w="12700">
+              <a:solidFill>
+                <a:schemeClr val="bg1">
+                  <a:lumMod val="85000"/>
+                </a:schemeClr>
+              </a:solidFill>
+            </a:ln>
+          </p:spPr>
+          <p:txBody>
+            <a:bodyPr wrap="none" lIns="180000" rIns="180000" rtlCol="0" anchor="ctr">
+              <a:spAutoFit/>
+            </a:bodyPr>
+            <a:lstStyle/>
+            <a:p>
+              <a:pPr algn="ctr"/>
+              <a:r>
+                <a:rPr lang="en-US" sz="2500" b="1" dirty="0">
+                  <a:solidFill>
+                    <a:schemeClr val="tx1">
+                      <a:lumMod val="85000"/>
+                      <a:lumOff val="15000"/>
+                    </a:schemeClr>
+                  </a:solidFill>
+                  <a:latin typeface="Arial" pitchFamily="34" charset="0"/>
+                  <a:cs typeface="Arial" pitchFamily="34" charset="0"/>
+                </a:rPr>
+                <a:t>Customer Base Segmentation Analysis</a:t>
+              </a:r>
+            </a:p>
+            <a:p>
+              <a:pPr algn="ctr"/>
+              <a:r>
+                <a:rPr lang="en-US" sz="2000" dirty="0">
+                  <a:solidFill>
+                    <a:schemeClr val="tx1">
+                      <a:lumMod val="85000"/>
+                      <a:lumOff val="15000"/>
+                    </a:schemeClr>
+                  </a:solidFill>
+                  <a:latin typeface="Arial" pitchFamily="34" charset="0"/>
+                  <a:cs typeface="Arial" pitchFamily="34" charset="0"/>
+                </a:rPr>
+                <a:t>Psychological</a:t>
+              </a:r>
+            </a:p>
+          </p:txBody>
+        </p:sp>
+      </p:grpSp>
+      <p:sp>
+        <p:nvSpPr>
+          <p:cNvPr id="16" name="Isosceles Triangle 29">
+            <a:extLst>
+              <a:ext uri="{FF2B5EF4-FFF2-40B4-BE49-F238E27FC236}">
+                <a16:creationId xmlns:a16="http://schemas.microsoft.com/office/drawing/2014/main" id="{B20CD494-380F-DD4A-B694-727BDAFDDD95}"/>
+              </a:ext>
+            </a:extLst>
+          </p:cNvPr>
+          <p:cNvSpPr/>
+          <p:nvPr/>
+        </p:nvSpPr>
+        <p:spPr>
+          <a:xfrm rot="5400000">
+            <a:off x="3097970" y="3689879"/>
+            <a:ext cx="403339" cy="287360"/>
+          </a:xfrm>
+          <a:prstGeom prst="triangle">
+            <a:avLst/>
+          </a:prstGeom>
+          <a:solidFill>
+            <a:schemeClr val="bg1"/>
+          </a:solidFill>
+          <a:ln>
+            <a:noFill/>
+          </a:ln>
+        </p:spPr>
+        <p:style>
+          <a:lnRef idx="2">
+            <a:schemeClr val="accent1">
+              <a:shade val="50000"/>
+            </a:schemeClr>
+          </a:lnRef>
+          <a:fillRef idx="1">
+            <a:schemeClr val="accent1"/>
+          </a:fillRef>
+          <a:effectRef idx="0">
+            <a:schemeClr val="accent1"/>
+          </a:effectRef>
+          <a:fontRef idx="minor">
+            <a:schemeClr val="lt1"/>
+          </a:fontRef>
+        </p:style>
+        <p:txBody>
+          <a:bodyPr rtlCol="0" anchor="ctr"/>
+          <a:lstStyle/>
+          <a:p>
+            <a:pPr algn="ctr"/>
+            <a:endParaRPr lang="en-US"/>
+          </a:p>
+        </p:txBody>
+      </p:sp>
+      <p:pic>
+        <p:nvPicPr>
+          <p:cNvPr id="4" name="Picture 3" descr="A screenshot of a cell phone&#10;&#10;Description automatically generated">
+            <a:extLst>
+              <a:ext uri="{FF2B5EF4-FFF2-40B4-BE49-F238E27FC236}">
+                <a16:creationId xmlns:a16="http://schemas.microsoft.com/office/drawing/2014/main" id="{82DA654F-3A2C-F647-ACA9-9DC42949EE85}"/>
+              </a:ext>
+            </a:extLst>
+          </p:cNvPr>
+          <p:cNvPicPr>
+            <a:picLocks noChangeAspect="1"/>
+          </p:cNvPicPr>
+          <p:nvPr/>
+        </p:nvPicPr>
+        <p:blipFill rotWithShape="1">
+          <a:blip r:embed="rId2"/>
+          <a:srcRect t="19419" r="348"/>
+          <a:stretch/>
+        </p:blipFill>
+        <p:spPr>
+          <a:xfrm>
+            <a:off x="1424559" y="1794854"/>
+            <a:ext cx="9342881" cy="1485411"/>
+          </a:xfrm>
+          <a:prstGeom prst="rect">
+            <a:avLst/>
+          </a:prstGeom>
+        </p:spPr>
+      </p:pic>
+      <p:sp>
+        <p:nvSpPr>
+          <p:cNvPr id="8" name="TextBox 7">
+            <a:extLst>
+              <a:ext uri="{FF2B5EF4-FFF2-40B4-BE49-F238E27FC236}">
+                <a16:creationId xmlns:a16="http://schemas.microsoft.com/office/drawing/2014/main" id="{E59AEA91-94E3-AB4E-888E-9F4CB49E27C5}"/>
+              </a:ext>
+            </a:extLst>
+          </p:cNvPr>
+          <p:cNvSpPr txBox="1"/>
+          <p:nvPr/>
+        </p:nvSpPr>
+        <p:spPr>
+          <a:xfrm>
+            <a:off x="3650750" y="1370245"/>
+            <a:ext cx="4890499" cy="323165"/>
+          </a:xfrm>
+          <a:prstGeom prst="rect">
+            <a:avLst/>
+          </a:prstGeom>
+          <a:noFill/>
+        </p:spPr>
+        <p:txBody>
+          <a:bodyPr wrap="square" rtlCol="0">
+            <a:spAutoFit/>
+          </a:bodyPr>
+          <a:lstStyle/>
+          <a:p>
+            <a:pPr algn="ctr"/>
+            <a:r>
+              <a:rPr lang="en-US" sz="1500" dirty="0"/>
+              <a:t>Gotham Goats’ Games Vs. Opponent Team</a:t>
+            </a:r>
+          </a:p>
+        </p:txBody>
+      </p:sp>
+      <p:sp>
+        <p:nvSpPr>
+          <p:cNvPr id="11" name="TextBox 10">
+            <a:extLst>
+              <a:ext uri="{FF2B5EF4-FFF2-40B4-BE49-F238E27FC236}">
+                <a16:creationId xmlns:a16="http://schemas.microsoft.com/office/drawing/2014/main" id="{6269B2B0-A3E0-3445-AC71-6F82ACA3A484}"/>
+              </a:ext>
+            </a:extLst>
+          </p:cNvPr>
+          <p:cNvSpPr txBox="1"/>
+          <p:nvPr/>
+        </p:nvSpPr>
+        <p:spPr>
+          <a:xfrm>
+            <a:off x="1547910" y="3237709"/>
+            <a:ext cx="9096178" cy="2400657"/>
+          </a:xfrm>
+          <a:prstGeom prst="rect">
+            <a:avLst/>
+          </a:prstGeom>
+          <a:noFill/>
+        </p:spPr>
+        <p:txBody>
+          <a:bodyPr wrap="square" rtlCol="0">
+            <a:spAutoFit/>
+          </a:bodyPr>
+          <a:lstStyle/>
+          <a:p>
+            <a:r>
+              <a:rPr lang="en-US" sz="1500" b="1" dirty="0"/>
+              <a:t>Key Findings:</a:t>
+            </a:r>
+          </a:p>
+          <a:p>
+            <a:endParaRPr lang="en-US" sz="1500" dirty="0"/>
+          </a:p>
+          <a:p>
+            <a:pPr marL="342900" indent="-342900">
+              <a:buAutoNum type="arabicPeriod"/>
+            </a:pPr>
+            <a:r>
+              <a:rPr lang="en-US" sz="1500" dirty="0"/>
+              <a:t>Most of Gotham Goats’ customers (72%) are reported to be from New York, with a preference of watching the Gotham Goats play against </a:t>
+            </a:r>
+            <a:r>
+              <a:rPr lang="en-US" sz="1500" i="1" dirty="0"/>
+              <a:t>Boston Bears </a:t>
+            </a:r>
+            <a:r>
+              <a:rPr lang="en-US" sz="1500" dirty="0"/>
+              <a:t>(13%), </a:t>
+            </a:r>
+            <a:r>
+              <a:rPr lang="en-US" sz="1500" i="1" dirty="0"/>
+              <a:t>Alabama Hawks </a:t>
+            </a:r>
+            <a:r>
+              <a:rPr lang="en-US" sz="1500" dirty="0"/>
+              <a:t>(12%), and </a:t>
+            </a:r>
+            <a:r>
+              <a:rPr lang="en-US" sz="1500" i="1" dirty="0"/>
+              <a:t>Detroit Wheels </a:t>
+            </a:r>
+            <a:r>
+              <a:rPr lang="en-US" sz="1500" dirty="0"/>
+              <a:t>(11%)</a:t>
+            </a:r>
+          </a:p>
+          <a:p>
+            <a:pPr marL="342900" indent="-342900">
+              <a:buAutoNum type="arabicPeriod"/>
+            </a:pPr>
+            <a:r>
+              <a:rPr lang="en-US" sz="1500" dirty="0"/>
+              <a:t>Customers located in Connecticut comprise 16% of Gotham Goats’ customer base, with a preference to watch the games against </a:t>
+            </a:r>
+            <a:r>
+              <a:rPr lang="en-US" sz="1500" i="1" dirty="0"/>
+              <a:t>Alabama Hawks </a:t>
+            </a:r>
+            <a:r>
+              <a:rPr lang="en-US" sz="1500" dirty="0"/>
+              <a:t>(13%), </a:t>
+            </a:r>
+            <a:r>
+              <a:rPr lang="en-US" sz="1500" i="1" dirty="0"/>
+              <a:t>Boston Bears</a:t>
+            </a:r>
+            <a:r>
+              <a:rPr lang="en-US" sz="1500" dirty="0"/>
+              <a:t>(12%), and </a:t>
+            </a:r>
+            <a:r>
+              <a:rPr lang="en-US" sz="1500" i="1" dirty="0"/>
+              <a:t>Montreal Concords</a:t>
+            </a:r>
+            <a:r>
+              <a:rPr lang="en-US" sz="1500" dirty="0"/>
+              <a:t>(11%)</a:t>
+            </a:r>
+          </a:p>
+          <a:p>
+            <a:pPr marL="342900" indent="-342900">
+              <a:buAutoNum type="arabicPeriod"/>
+            </a:pPr>
+            <a:r>
+              <a:rPr lang="en-US" sz="1500" dirty="0"/>
+              <a:t>Customers from New Jersey comprise almost 12% of the team’s customer base, with a preference to watch the games against </a:t>
+            </a:r>
+            <a:r>
+              <a:rPr lang="en-US" sz="1500" i="1" dirty="0"/>
+              <a:t>Boston Bears </a:t>
+            </a:r>
+            <a:r>
+              <a:rPr lang="en-US" sz="1500" dirty="0"/>
+              <a:t>(14%), </a:t>
+            </a:r>
+            <a:r>
+              <a:rPr lang="en-US" sz="1500" i="1" dirty="0"/>
+              <a:t>Tampa Bay </a:t>
+            </a:r>
+            <a:r>
+              <a:rPr lang="en-US" sz="1500" dirty="0"/>
+              <a:t>(13%), and </a:t>
+            </a:r>
+            <a:r>
+              <a:rPr lang="en-US" sz="1500" i="1" dirty="0"/>
+              <a:t>Detroit Wheels </a:t>
+            </a:r>
+            <a:r>
+              <a:rPr lang="en-US" sz="1500" dirty="0"/>
+              <a:t>(13%)</a:t>
+            </a:r>
+          </a:p>
+          <a:p>
+            <a:pPr marL="342900" indent="-342900">
+              <a:buAutoNum type="arabicPeriod"/>
+            </a:pPr>
+            <a:endParaRPr lang="en-US" sz="1500" dirty="0"/>
+          </a:p>
+          <a:p>
+            <a:endParaRPr lang="en-US" sz="1500" dirty="0"/>
+          </a:p>
+        </p:txBody>
+      </p:sp>
+      <p:cxnSp>
+        <p:nvCxnSpPr>
+          <p:cNvPr id="13" name="Straight Connector 12">
+            <a:extLst>
+              <a:ext uri="{FF2B5EF4-FFF2-40B4-BE49-F238E27FC236}">
+                <a16:creationId xmlns:a16="http://schemas.microsoft.com/office/drawing/2014/main" id="{22849739-13C4-4846-9140-E89D7E655C1F}"/>
+              </a:ext>
+            </a:extLst>
+          </p:cNvPr>
+          <p:cNvCxnSpPr>
+            <a:cxnSpLocks/>
+          </p:cNvCxnSpPr>
+          <p:nvPr/>
+        </p:nvCxnSpPr>
+        <p:spPr>
+          <a:xfrm>
+            <a:off x="897027" y="6342133"/>
+            <a:ext cx="10704186" cy="0"/>
+          </a:xfrm>
+          <a:prstGeom prst="line">
+            <a:avLst/>
+          </a:prstGeom>
+          <a:ln w="12700">
+            <a:solidFill>
+              <a:schemeClr val="bg1">
+                <a:lumMod val="85000"/>
+              </a:schemeClr>
+            </a:solidFill>
+            <a:headEnd type="oval"/>
+            <a:tailEnd type="oval"/>
+          </a:ln>
+        </p:spPr>
+        <p:style>
+          <a:lnRef idx="1">
+            <a:schemeClr val="accent1"/>
+          </a:lnRef>
+          <a:fillRef idx="0">
+            <a:schemeClr val="accent1"/>
+          </a:fillRef>
+          <a:effectRef idx="0">
+            <a:schemeClr val="accent1"/>
+          </a:effectRef>
+          <a:fontRef idx="minor">
+            <a:schemeClr val="tx1"/>
+          </a:fontRef>
+        </p:style>
+      </p:cxnSp>
+    </p:spTree>
+    <p:extLst>
+      <p:ext uri="{BB962C8B-B14F-4D97-AF65-F5344CB8AC3E}">
+        <p14:creationId xmlns:p14="http://schemas.microsoft.com/office/powerpoint/2010/main" val="2492652482"/>
+      </p:ext>
+    </p:extLst>
+  </p:cSld>
+  <p:clrMapOvr>
+    <a:masterClrMapping/>
+  </p:clrMapOvr>
+</p:sld>
+</file>
+
+<file path=ppt/slides/slide5.xml><?xml version="1.0" encoding="utf-8"?>
+<p:sld xmlns:a="http://schemas.openxmlformats.org/drawingml/2006/main" xmlns:r="http://schemas.openxmlformats.org/officeDocument/2006/relationships" xmlns:p="http://schemas.openxmlformats.org/presentationml/2006/main">
+  <p:cSld>
+    <p:spTree>
+      <p:nvGrpSpPr>
+        <p:cNvPr id="1" name=""/>
+        <p:cNvGrpSpPr/>
+        <p:nvPr/>
+      </p:nvGrpSpPr>
+      <p:grpSpPr>
+        <a:xfrm>
+          <a:off x="0" y="0"/>
+          <a:ext cx="0" cy="0"/>
+          <a:chOff x="0" y="0"/>
+          <a:chExt cx="0" cy="0"/>
+        </a:xfrm>
+      </p:grpSpPr>
+      <p:grpSp>
+        <p:nvGrpSpPr>
+          <p:cNvPr id="5" name="Group 4">
+            <a:extLst>
+              <a:ext uri="{FF2B5EF4-FFF2-40B4-BE49-F238E27FC236}">
+                <a16:creationId xmlns:a16="http://schemas.microsoft.com/office/drawing/2014/main" id="{42D217F0-84CF-C74B-BDC1-9394C572C328}"/>
+              </a:ext>
+            </a:extLst>
+          </p:cNvPr>
+          <p:cNvGrpSpPr/>
+          <p:nvPr/>
+        </p:nvGrpSpPr>
+        <p:grpSpPr>
+          <a:xfrm>
             <a:off x="744537" y="165290"/>
             <a:ext cx="10741971" cy="943583"/>
             <a:chOff x="1073385" y="1647297"/>
@@ -6791,414 +7271,6 @@
 </p:sld>
 </file>
 
-<file path=ppt/slides/slide5.xml><?xml version="1.0" encoding="utf-8"?>
-<p:sld xmlns:a="http://schemas.openxmlformats.org/drawingml/2006/main" xmlns:r="http://schemas.openxmlformats.org/officeDocument/2006/relationships" xmlns:p="http://schemas.openxmlformats.org/presentationml/2006/main">
-  <p:cSld>
-    <p:spTree>
-      <p:nvGrpSpPr>
-        <p:cNvPr id="1" name=""/>
-        <p:cNvGrpSpPr/>
-        <p:nvPr/>
-      </p:nvGrpSpPr>
-      <p:grpSpPr>
-        <a:xfrm>
-          <a:off x="0" y="0"/>
-          <a:ext cx="0" cy="0"/>
-          <a:chOff x="0" y="0"/>
-          <a:chExt cx="0" cy="0"/>
-        </a:xfrm>
-      </p:grpSpPr>
-      <p:grpSp>
-        <p:nvGrpSpPr>
-          <p:cNvPr id="5" name="Group 4">
-            <a:extLst>
-              <a:ext uri="{FF2B5EF4-FFF2-40B4-BE49-F238E27FC236}">
-                <a16:creationId xmlns:a16="http://schemas.microsoft.com/office/drawing/2014/main" id="{42D217F0-84CF-C74B-BDC1-9394C572C328}"/>
-              </a:ext>
-            </a:extLst>
-          </p:cNvPr>
-          <p:cNvGrpSpPr/>
-          <p:nvPr/>
-        </p:nvGrpSpPr>
-        <p:grpSpPr>
-          <a:xfrm>
-            <a:off x="725014" y="85272"/>
-            <a:ext cx="10741971" cy="1103620"/>
-            <a:chOff x="1073385" y="1553707"/>
-            <a:chExt cx="6260496" cy="1290800"/>
-          </a:xfrm>
-        </p:grpSpPr>
-        <p:cxnSp>
-          <p:nvCxnSpPr>
-            <p:cNvPr id="6" name="Straight Connector 5">
-              <a:extLst>
-                <a:ext uri="{FF2B5EF4-FFF2-40B4-BE49-F238E27FC236}">
-                  <a16:creationId xmlns:a16="http://schemas.microsoft.com/office/drawing/2014/main" id="{F95CFBFD-4592-EF42-A0E7-E19B34D280E2}"/>
-                </a:ext>
-              </a:extLst>
-            </p:cNvPr>
-            <p:cNvCxnSpPr>
-              <a:cxnSpLocks/>
-            </p:cNvCxnSpPr>
-            <p:nvPr/>
-          </p:nvCxnSpPr>
-          <p:spPr>
-            <a:xfrm>
-              <a:off x="1073385" y="2199105"/>
-              <a:ext cx="6260496" cy="0"/>
-            </a:xfrm>
-            <a:prstGeom prst="line">
-              <a:avLst/>
-            </a:prstGeom>
-            <a:ln w="12700">
-              <a:solidFill>
-                <a:schemeClr val="bg1">
-                  <a:lumMod val="85000"/>
-                </a:schemeClr>
-              </a:solidFill>
-              <a:headEnd type="oval"/>
-              <a:tailEnd type="oval"/>
-            </a:ln>
-          </p:spPr>
-          <p:style>
-            <a:lnRef idx="1">
-              <a:schemeClr val="accent1"/>
-            </a:lnRef>
-            <a:fillRef idx="0">
-              <a:schemeClr val="accent1"/>
-            </a:fillRef>
-            <a:effectRef idx="0">
-              <a:schemeClr val="accent1"/>
-            </a:effectRef>
-            <a:fontRef idx="minor">
-              <a:schemeClr val="tx1"/>
-            </a:fontRef>
-          </p:style>
-        </p:cxnSp>
-        <p:sp>
-          <p:nvSpPr>
-            <p:cNvPr id="7" name="TextBox 6">
-              <a:extLst>
-                <a:ext uri="{FF2B5EF4-FFF2-40B4-BE49-F238E27FC236}">
-                  <a16:creationId xmlns:a16="http://schemas.microsoft.com/office/drawing/2014/main" id="{37A663D4-82B6-4440-9A2D-E82E43F098FC}"/>
-                </a:ext>
-              </a:extLst>
-            </p:cNvPr>
-            <p:cNvSpPr txBox="1"/>
-            <p:nvPr/>
-          </p:nvSpPr>
-          <p:spPr>
-            <a:xfrm>
-              <a:off x="2262151" y="1553707"/>
-              <a:ext cx="3860209" cy="1290800"/>
-            </a:xfrm>
-            <a:prstGeom prst="roundRect">
-              <a:avLst>
-                <a:gd name="adj" fmla="val 50000"/>
-              </a:avLst>
-            </a:prstGeom>
-            <a:solidFill>
-              <a:schemeClr val="bg1"/>
-            </a:solidFill>
-            <a:ln w="12700">
-              <a:solidFill>
-                <a:schemeClr val="bg1">
-                  <a:lumMod val="85000"/>
-                </a:schemeClr>
-              </a:solidFill>
-            </a:ln>
-          </p:spPr>
-          <p:txBody>
-            <a:bodyPr wrap="none" lIns="180000" rIns="180000" rtlCol="0" anchor="ctr">
-              <a:spAutoFit/>
-            </a:bodyPr>
-            <a:lstStyle/>
-            <a:p>
-              <a:pPr algn="ctr"/>
-              <a:r>
-                <a:rPr lang="en-US" sz="2500" b="1" dirty="0">
-                  <a:solidFill>
-                    <a:schemeClr val="tx1">
-                      <a:lumMod val="85000"/>
-                      <a:lumOff val="15000"/>
-                    </a:schemeClr>
-                  </a:solidFill>
-                  <a:latin typeface="Arial" pitchFamily="34" charset="0"/>
-                  <a:cs typeface="Arial" pitchFamily="34" charset="0"/>
-                </a:rPr>
-                <a:t>Customer Base Segmentation Analysis</a:t>
-              </a:r>
-            </a:p>
-            <a:p>
-              <a:pPr algn="ctr"/>
-              <a:r>
-                <a:rPr lang="en-US" sz="2000" dirty="0">
-                  <a:solidFill>
-                    <a:schemeClr val="tx1">
-                      <a:lumMod val="85000"/>
-                      <a:lumOff val="15000"/>
-                    </a:schemeClr>
-                  </a:solidFill>
-                  <a:latin typeface="Arial" pitchFamily="34" charset="0"/>
-                  <a:cs typeface="Arial" pitchFamily="34" charset="0"/>
-                </a:rPr>
-                <a:t>Psychological</a:t>
-              </a:r>
-            </a:p>
-          </p:txBody>
-        </p:sp>
-      </p:grpSp>
-      <p:sp>
-        <p:nvSpPr>
-          <p:cNvPr id="16" name="Isosceles Triangle 29">
-            <a:extLst>
-              <a:ext uri="{FF2B5EF4-FFF2-40B4-BE49-F238E27FC236}">
-                <a16:creationId xmlns:a16="http://schemas.microsoft.com/office/drawing/2014/main" id="{B20CD494-380F-DD4A-B694-727BDAFDDD95}"/>
-              </a:ext>
-            </a:extLst>
-          </p:cNvPr>
-          <p:cNvSpPr/>
-          <p:nvPr/>
-        </p:nvSpPr>
-        <p:spPr>
-          <a:xfrm rot="5400000">
-            <a:off x="3097970" y="3689879"/>
-            <a:ext cx="403339" cy="287360"/>
-          </a:xfrm>
-          <a:prstGeom prst="triangle">
-            <a:avLst/>
-          </a:prstGeom>
-          <a:solidFill>
-            <a:schemeClr val="bg1"/>
-          </a:solidFill>
-          <a:ln>
-            <a:noFill/>
-          </a:ln>
-        </p:spPr>
-        <p:style>
-          <a:lnRef idx="2">
-            <a:schemeClr val="accent1">
-              <a:shade val="50000"/>
-            </a:schemeClr>
-          </a:lnRef>
-          <a:fillRef idx="1">
-            <a:schemeClr val="accent1"/>
-          </a:fillRef>
-          <a:effectRef idx="0">
-            <a:schemeClr val="accent1"/>
-          </a:effectRef>
-          <a:fontRef idx="minor">
-            <a:schemeClr val="lt1"/>
-          </a:fontRef>
-        </p:style>
-        <p:txBody>
-          <a:bodyPr rtlCol="0" anchor="ctr"/>
-          <a:lstStyle/>
-          <a:p>
-            <a:pPr algn="ctr"/>
-            <a:endParaRPr lang="en-US"/>
-          </a:p>
-        </p:txBody>
-      </p:sp>
-      <p:pic>
-        <p:nvPicPr>
-          <p:cNvPr id="4" name="Picture 3" descr="A screenshot of a cell phone&#10;&#10;Description automatically generated">
-            <a:extLst>
-              <a:ext uri="{FF2B5EF4-FFF2-40B4-BE49-F238E27FC236}">
-                <a16:creationId xmlns:a16="http://schemas.microsoft.com/office/drawing/2014/main" id="{82DA654F-3A2C-F647-ACA9-9DC42949EE85}"/>
-              </a:ext>
-            </a:extLst>
-          </p:cNvPr>
-          <p:cNvPicPr>
-            <a:picLocks noChangeAspect="1"/>
-          </p:cNvPicPr>
-          <p:nvPr/>
-        </p:nvPicPr>
-        <p:blipFill rotWithShape="1">
-          <a:blip r:embed="rId2"/>
-          <a:srcRect t="19419" r="348"/>
-          <a:stretch/>
-        </p:blipFill>
-        <p:spPr>
-          <a:xfrm>
-            <a:off x="1424559" y="1794854"/>
-            <a:ext cx="9342881" cy="1485411"/>
-          </a:xfrm>
-          <a:prstGeom prst="rect">
-            <a:avLst/>
-          </a:prstGeom>
-        </p:spPr>
-      </p:pic>
-      <p:sp>
-        <p:nvSpPr>
-          <p:cNvPr id="8" name="TextBox 7">
-            <a:extLst>
-              <a:ext uri="{FF2B5EF4-FFF2-40B4-BE49-F238E27FC236}">
-                <a16:creationId xmlns:a16="http://schemas.microsoft.com/office/drawing/2014/main" id="{E59AEA91-94E3-AB4E-888E-9F4CB49E27C5}"/>
-              </a:ext>
-            </a:extLst>
-          </p:cNvPr>
-          <p:cNvSpPr txBox="1"/>
-          <p:nvPr/>
-        </p:nvSpPr>
-        <p:spPr>
-          <a:xfrm>
-            <a:off x="3650750" y="1370245"/>
-            <a:ext cx="4890499" cy="323165"/>
-          </a:xfrm>
-          <a:prstGeom prst="rect">
-            <a:avLst/>
-          </a:prstGeom>
-          <a:noFill/>
-        </p:spPr>
-        <p:txBody>
-          <a:bodyPr wrap="square" rtlCol="0">
-            <a:spAutoFit/>
-          </a:bodyPr>
-          <a:lstStyle/>
-          <a:p>
-            <a:pPr algn="ctr"/>
-            <a:r>
-              <a:rPr lang="en-US" sz="1500" dirty="0"/>
-              <a:t>Gotham Goats’ Games Vs. Opponent Team</a:t>
-            </a:r>
-          </a:p>
-        </p:txBody>
-      </p:sp>
-      <p:sp>
-        <p:nvSpPr>
-          <p:cNvPr id="11" name="TextBox 10">
-            <a:extLst>
-              <a:ext uri="{FF2B5EF4-FFF2-40B4-BE49-F238E27FC236}">
-                <a16:creationId xmlns:a16="http://schemas.microsoft.com/office/drawing/2014/main" id="{6269B2B0-A3E0-3445-AC71-6F82ACA3A484}"/>
-              </a:ext>
-            </a:extLst>
-          </p:cNvPr>
-          <p:cNvSpPr txBox="1"/>
-          <p:nvPr/>
-        </p:nvSpPr>
-        <p:spPr>
-          <a:xfrm>
-            <a:off x="1547910" y="3237709"/>
-            <a:ext cx="9096178" cy="2400657"/>
-          </a:xfrm>
-          <a:prstGeom prst="rect">
-            <a:avLst/>
-          </a:prstGeom>
-          <a:noFill/>
-        </p:spPr>
-        <p:txBody>
-          <a:bodyPr wrap="square" rtlCol="0">
-            <a:spAutoFit/>
-          </a:bodyPr>
-          <a:lstStyle/>
-          <a:p>
-            <a:r>
-              <a:rPr lang="en-US" sz="1500" b="1" dirty="0"/>
-              <a:t>Key Findings:</a:t>
-            </a:r>
-          </a:p>
-          <a:p>
-            <a:endParaRPr lang="en-US" sz="1500" dirty="0"/>
-          </a:p>
-          <a:p>
-            <a:pPr marL="342900" indent="-342900">
-              <a:buAutoNum type="arabicPeriod"/>
-            </a:pPr>
-            <a:r>
-              <a:rPr lang="en-US" sz="1500" dirty="0"/>
-              <a:t>Most of Gotham Goats’ customers (72%) are reported to be from New York, with a preference of watching the Gotham Goats play against Boston Bears (13%), Alabama Hawks (12%), and Detroit Wheels (11%)</a:t>
-            </a:r>
-          </a:p>
-          <a:p>
-            <a:pPr marL="342900" indent="-342900">
-              <a:buAutoNum type="arabicPeriod"/>
-            </a:pPr>
-            <a:r>
-              <a:rPr lang="en-US" sz="1500" dirty="0"/>
-              <a:t>Customers located in Connecticut comprise 16% of Gotham Goats’ customer base, with a preference to watch the games against Alabama Hawks (13%), Boston Bears(12%), and Montreal Concords(11%)</a:t>
-            </a:r>
-          </a:p>
-          <a:p>
-            <a:pPr marL="342900" indent="-342900">
-              <a:buAutoNum type="arabicPeriod"/>
-            </a:pPr>
-            <a:r>
-              <a:rPr lang="en-US" sz="1500" dirty="0"/>
-              <a:t>Customers from New Jersey comprise almost 12% of the team’s customer base, with a preference to watch the games against Boston Bears (14%), Tampa Bay (13%), and Detroit Wheels (13%)</a:t>
-            </a:r>
-          </a:p>
-          <a:p>
-            <a:pPr marL="342900" indent="-342900">
-              <a:buAutoNum type="arabicPeriod"/>
-            </a:pPr>
-            <a:endParaRPr lang="en-US" sz="1500" dirty="0"/>
-          </a:p>
-          <a:p>
-            <a:endParaRPr lang="en-US" sz="1500" dirty="0"/>
-          </a:p>
-        </p:txBody>
-      </p:sp>
-      <p:cxnSp>
-        <p:nvCxnSpPr>
-          <p:cNvPr id="13" name="Straight Connector 12">
-            <a:extLst>
-              <a:ext uri="{FF2B5EF4-FFF2-40B4-BE49-F238E27FC236}">
-                <a16:creationId xmlns:a16="http://schemas.microsoft.com/office/drawing/2014/main" id="{22849739-13C4-4846-9140-E89D7E655C1F}"/>
-              </a:ext>
-            </a:extLst>
-          </p:cNvPr>
-          <p:cNvCxnSpPr>
-            <a:cxnSpLocks/>
-          </p:cNvCxnSpPr>
-          <p:nvPr/>
-        </p:nvCxnSpPr>
-        <p:spPr>
-          <a:xfrm>
-            <a:off x="897027" y="6342133"/>
-            <a:ext cx="10704186" cy="0"/>
-          </a:xfrm>
-          <a:prstGeom prst="line">
-            <a:avLst/>
-          </a:prstGeom>
-          <a:ln w="12700">
-            <a:solidFill>
-              <a:schemeClr val="bg1">
-                <a:lumMod val="85000"/>
-              </a:schemeClr>
-            </a:solidFill>
-            <a:headEnd type="oval"/>
-            <a:tailEnd type="oval"/>
-          </a:ln>
-        </p:spPr>
-        <p:style>
-          <a:lnRef idx="1">
-            <a:schemeClr val="accent1"/>
-          </a:lnRef>
-          <a:fillRef idx="0">
-            <a:schemeClr val="accent1"/>
-          </a:fillRef>
-          <a:effectRef idx="0">
-            <a:schemeClr val="accent1"/>
-          </a:effectRef>
-          <a:fontRef idx="minor">
-            <a:schemeClr val="tx1"/>
-          </a:fontRef>
-        </p:style>
-      </p:cxnSp>
-    </p:spTree>
-    <p:extLst>
-      <p:ext uri="{BB962C8B-B14F-4D97-AF65-F5344CB8AC3E}">
-        <p14:creationId xmlns:p14="http://schemas.microsoft.com/office/powerpoint/2010/main" val="2492652482"/>
-      </p:ext>
-    </p:extLst>
-  </p:cSld>
-  <p:clrMapOvr>
-    <a:masterClrMapping/>
-  </p:clrMapOvr>
-</p:sld>
-</file>
-
 <file path=ppt/slides/slide6.xml><?xml version="1.0" encoding="utf-8"?>
 <p:sld xmlns:a="http://schemas.openxmlformats.org/drawingml/2006/main" xmlns:r="http://schemas.openxmlformats.org/officeDocument/2006/relationships" xmlns:p="http://schemas.openxmlformats.org/presentationml/2006/main">
   <p:cSld>
@@ -7385,7 +7457,7 @@
         <p:spPr>
           <a:xfrm>
             <a:off x="446617" y="2755402"/>
-            <a:ext cx="4782929" cy="4247317"/>
+            <a:ext cx="4536863" cy="4478149"/>
           </a:xfrm>
           <a:prstGeom prst="rect">
             <a:avLst/>
@@ -7423,7 +7495,7 @@
             </a:pPr>
             <a:r>
               <a:rPr lang="en-US" sz="1500" dirty="0"/>
-              <a:t>Gotham Goats’ show to have a strong revenue retention when it comes to selling the tickets to their games. This may be caused by an annual increase in ticket prices as shown in Price Per Ticket Analysis. </a:t>
+              <a:t>In 2018, price per ticket reported as highest</a:t>
             </a:r>
           </a:p>
           <a:p>
@@ -7433,7 +7505,27 @@
             </a:pPr>
             <a:r>
               <a:rPr lang="en-US" sz="1500" dirty="0"/>
-              <a:t>However, the customer retention analysis showed that Gotham Goats’ need to strengthen their customer retention. Regardless of the revenue amount that rose by 49% in 2018, the total number of customers who purchased game tickets in the same year reported to be at a lower rate than in 2017. </a:t>
+              <a:t>Lowest Max price per ticket was in 2015 . The same year as the number of tickets sold decreased.</a:t>
+            </a:r>
+          </a:p>
+          <a:p>
+            <a:pPr marL="342900" indent="-342900">
+              <a:buFont typeface="+mj-lt"/>
+              <a:buAutoNum type="arabicPeriod"/>
+            </a:pPr>
+            <a:r>
+              <a:rPr lang="en-US" sz="1500" dirty="0"/>
+              <a:t>Gotham Goats’ show to have a strong revenue retention when it comes to selling the tickets to their games. </a:t>
+            </a:r>
+          </a:p>
+          <a:p>
+            <a:pPr marL="342900" indent="-342900">
+              <a:buFont typeface="+mj-lt"/>
+              <a:buAutoNum type="arabicPeriod"/>
+            </a:pPr>
+            <a:r>
+              <a:rPr lang="en-US" sz="1500" dirty="0"/>
+              <a:t>The revenue amount rose by 49% in 2018,but the total number of customers who purchased game tickets in the same year reported to be at a lower rate than in 2017. </a:t>
             </a:r>
           </a:p>
           <a:p>
